--- a/ppt 16-9/1227.用灵歌唱.pptx
+++ b/ppt 16-9/1227.用灵歌唱.pptx
@@ -129,7 +129,7 @@
           <p:cNvPr id="2" name="标题 1">
             <a:extLst>
               <a:ext uri="{FF2B5EF4-FFF2-40B4-BE49-F238E27FC236}">
-                <a16:creationId xmlns:a16="http://schemas.microsoft.com/office/drawing/2014/main" id="{457E62A2-142C-17B0-417D-31DBB4D25C9C}"/>
+                <a16:creationId xmlns:a16="http://schemas.microsoft.com/office/drawing/2014/main" id="{1734F47C-8552-F36D-BEDD-E17B22E648A0}"/>
               </a:ext>
             </a:extLst>
           </p:cNvPr>
@@ -166,7 +166,7 @@
           <p:cNvPr id="3" name="副标题 2">
             <a:extLst>
               <a:ext uri="{FF2B5EF4-FFF2-40B4-BE49-F238E27FC236}">
-                <a16:creationId xmlns:a16="http://schemas.microsoft.com/office/drawing/2014/main" id="{C385E590-8D33-D104-8A12-838F2961AD01}"/>
+                <a16:creationId xmlns:a16="http://schemas.microsoft.com/office/drawing/2014/main" id="{44A618C3-2A71-54AC-6709-DC57211D3A5C}"/>
               </a:ext>
             </a:extLst>
           </p:cNvPr>
@@ -236,7 +236,7 @@
           <p:cNvPr id="4" name="日期占位符 3">
             <a:extLst>
               <a:ext uri="{FF2B5EF4-FFF2-40B4-BE49-F238E27FC236}">
-                <a16:creationId xmlns:a16="http://schemas.microsoft.com/office/drawing/2014/main" id="{A6453B35-0B1B-1D51-8FEB-1D216A59D818}"/>
+                <a16:creationId xmlns:a16="http://schemas.microsoft.com/office/drawing/2014/main" id="{A83B4E52-F7A9-9CD4-0A6A-7F6534B7D02F}"/>
               </a:ext>
             </a:extLst>
           </p:cNvPr>
@@ -252,7 +252,7 @@
           <a:bodyPr/>
           <a:lstStyle/>
           <a:p>
-            <a:fld id="{3B3339EA-EF76-49C0-A45A-9C4D81B519FE}" type="datetimeFigureOut">
+            <a:fld id="{8BF677CD-C950-432C-BC68-3F138D25589A}" type="datetimeFigureOut">
               <a:rPr lang="zh-CN" altLang="en-US" smtClean="0"/>
               <a:t>2024/3/10</a:t>
             </a:fld>
@@ -265,7 +265,7 @@
           <p:cNvPr id="5" name="页脚占位符 4">
             <a:extLst>
               <a:ext uri="{FF2B5EF4-FFF2-40B4-BE49-F238E27FC236}">
-                <a16:creationId xmlns:a16="http://schemas.microsoft.com/office/drawing/2014/main" id="{14E5F068-C7D5-370A-6C64-6DE486D96735}"/>
+                <a16:creationId xmlns:a16="http://schemas.microsoft.com/office/drawing/2014/main" id="{9AB6D609-80D0-2C60-D0CF-18A9755E52CB}"/>
               </a:ext>
             </a:extLst>
           </p:cNvPr>
@@ -290,7 +290,7 @@
           <p:cNvPr id="6" name="灯片编号占位符 5">
             <a:extLst>
               <a:ext uri="{FF2B5EF4-FFF2-40B4-BE49-F238E27FC236}">
-                <a16:creationId xmlns:a16="http://schemas.microsoft.com/office/drawing/2014/main" id="{02F717B7-1C96-ED3E-2413-DD2AFF935155}"/>
+                <a16:creationId xmlns:a16="http://schemas.microsoft.com/office/drawing/2014/main" id="{8606F538-ADB5-57AE-BB21-3EF498287AC8}"/>
               </a:ext>
             </a:extLst>
           </p:cNvPr>
@@ -306,7 +306,7 @@
           <a:bodyPr/>
           <a:lstStyle/>
           <a:p>
-            <a:fld id="{425A5A9F-8758-4014-B92A-2EC334F9CD29}" type="slidenum">
+            <a:fld id="{531688CB-550F-4457-9B64-4FE8D4826A2F}" type="slidenum">
               <a:rPr lang="zh-CN" altLang="en-US" smtClean="0"/>
               <a:t>‹#›</a:t>
             </a:fld>
@@ -317,7 +317,7 @@
     </p:spTree>
     <p:extLst>
       <p:ext uri="{BB962C8B-B14F-4D97-AF65-F5344CB8AC3E}">
-        <p14:creationId xmlns:p14="http://schemas.microsoft.com/office/powerpoint/2010/main" val="1263985943"/>
+        <p14:creationId xmlns:p14="http://schemas.microsoft.com/office/powerpoint/2010/main" val="1460706930"/>
       </p:ext>
     </p:extLst>
   </p:cSld>
@@ -349,7 +349,7 @@
           <p:cNvPr id="2" name="标题 1">
             <a:extLst>
               <a:ext uri="{FF2B5EF4-FFF2-40B4-BE49-F238E27FC236}">
-                <a16:creationId xmlns:a16="http://schemas.microsoft.com/office/drawing/2014/main" id="{5F2F5A38-5444-31D1-4A7A-BE13BEE7F845}"/>
+                <a16:creationId xmlns:a16="http://schemas.microsoft.com/office/drawing/2014/main" id="{070E0094-2B24-2816-0F08-97E0F92A2D84}"/>
               </a:ext>
             </a:extLst>
           </p:cNvPr>
@@ -377,7 +377,7 @@
           <p:cNvPr id="3" name="竖排文字占位符 2">
             <a:extLst>
               <a:ext uri="{FF2B5EF4-FFF2-40B4-BE49-F238E27FC236}">
-                <a16:creationId xmlns:a16="http://schemas.microsoft.com/office/drawing/2014/main" id="{64D3A2F0-7D37-B8FC-2C2B-B90CC2AA3941}"/>
+                <a16:creationId xmlns:a16="http://schemas.microsoft.com/office/drawing/2014/main" id="{8870CAA9-CCC0-AB61-B9EF-016E8E7D77C6}"/>
               </a:ext>
             </a:extLst>
           </p:cNvPr>
@@ -434,7 +434,7 @@
           <p:cNvPr id="4" name="日期占位符 3">
             <a:extLst>
               <a:ext uri="{FF2B5EF4-FFF2-40B4-BE49-F238E27FC236}">
-                <a16:creationId xmlns:a16="http://schemas.microsoft.com/office/drawing/2014/main" id="{42A621CA-121E-9F59-BC7E-DD6F90D75137}"/>
+                <a16:creationId xmlns:a16="http://schemas.microsoft.com/office/drawing/2014/main" id="{8DC83191-21D2-0C09-1EFC-A9A2E2A798A9}"/>
               </a:ext>
             </a:extLst>
           </p:cNvPr>
@@ -450,7 +450,7 @@
           <a:bodyPr/>
           <a:lstStyle/>
           <a:p>
-            <a:fld id="{3B3339EA-EF76-49C0-A45A-9C4D81B519FE}" type="datetimeFigureOut">
+            <a:fld id="{8BF677CD-C950-432C-BC68-3F138D25589A}" type="datetimeFigureOut">
               <a:rPr lang="zh-CN" altLang="en-US" smtClean="0"/>
               <a:t>2024/3/10</a:t>
             </a:fld>
@@ -463,7 +463,7 @@
           <p:cNvPr id="5" name="页脚占位符 4">
             <a:extLst>
               <a:ext uri="{FF2B5EF4-FFF2-40B4-BE49-F238E27FC236}">
-                <a16:creationId xmlns:a16="http://schemas.microsoft.com/office/drawing/2014/main" id="{941C1015-9D50-71B2-5923-B7CAFF3875D4}"/>
+                <a16:creationId xmlns:a16="http://schemas.microsoft.com/office/drawing/2014/main" id="{A32FA4EA-CE91-15F6-5565-F0D98F377E5B}"/>
               </a:ext>
             </a:extLst>
           </p:cNvPr>
@@ -488,7 +488,7 @@
           <p:cNvPr id="6" name="灯片编号占位符 5">
             <a:extLst>
               <a:ext uri="{FF2B5EF4-FFF2-40B4-BE49-F238E27FC236}">
-                <a16:creationId xmlns:a16="http://schemas.microsoft.com/office/drawing/2014/main" id="{4FA62627-C990-1167-ECEE-AC17646E0241}"/>
+                <a16:creationId xmlns:a16="http://schemas.microsoft.com/office/drawing/2014/main" id="{2A4B1E5A-AA08-D451-692C-C82FA720721E}"/>
               </a:ext>
             </a:extLst>
           </p:cNvPr>
@@ -504,7 +504,7 @@
           <a:bodyPr/>
           <a:lstStyle/>
           <a:p>
-            <a:fld id="{425A5A9F-8758-4014-B92A-2EC334F9CD29}" type="slidenum">
+            <a:fld id="{531688CB-550F-4457-9B64-4FE8D4826A2F}" type="slidenum">
               <a:rPr lang="zh-CN" altLang="en-US" smtClean="0"/>
               <a:t>‹#›</a:t>
             </a:fld>
@@ -515,7 +515,7 @@
     </p:spTree>
     <p:extLst>
       <p:ext uri="{BB962C8B-B14F-4D97-AF65-F5344CB8AC3E}">
-        <p14:creationId xmlns:p14="http://schemas.microsoft.com/office/powerpoint/2010/main" val="3225414459"/>
+        <p14:creationId xmlns:p14="http://schemas.microsoft.com/office/powerpoint/2010/main" val="17396799"/>
       </p:ext>
     </p:extLst>
   </p:cSld>
@@ -547,7 +547,7 @@
           <p:cNvPr id="2" name="竖排标题 1">
             <a:extLst>
               <a:ext uri="{FF2B5EF4-FFF2-40B4-BE49-F238E27FC236}">
-                <a16:creationId xmlns:a16="http://schemas.microsoft.com/office/drawing/2014/main" id="{12341154-6DC5-3FCC-09F9-1100F69B214C}"/>
+                <a16:creationId xmlns:a16="http://schemas.microsoft.com/office/drawing/2014/main" id="{CB472BF0-AAE1-BC26-5C3F-C722F95F17E8}"/>
               </a:ext>
             </a:extLst>
           </p:cNvPr>
@@ -580,7 +580,7 @@
           <p:cNvPr id="3" name="竖排文字占位符 2">
             <a:extLst>
               <a:ext uri="{FF2B5EF4-FFF2-40B4-BE49-F238E27FC236}">
-                <a16:creationId xmlns:a16="http://schemas.microsoft.com/office/drawing/2014/main" id="{3290A875-A8DC-4C9B-2F41-329AECE9F7BF}"/>
+                <a16:creationId xmlns:a16="http://schemas.microsoft.com/office/drawing/2014/main" id="{E0F09DB3-BC30-EC48-9987-1695A6309CA7}"/>
               </a:ext>
             </a:extLst>
           </p:cNvPr>
@@ -642,7 +642,7 @@
           <p:cNvPr id="4" name="日期占位符 3">
             <a:extLst>
               <a:ext uri="{FF2B5EF4-FFF2-40B4-BE49-F238E27FC236}">
-                <a16:creationId xmlns:a16="http://schemas.microsoft.com/office/drawing/2014/main" id="{C9CDE713-1EFC-544B-317A-17E01756202E}"/>
+                <a16:creationId xmlns:a16="http://schemas.microsoft.com/office/drawing/2014/main" id="{2B950F0B-A333-4BC7-3AA6-A2129A4BEF5F}"/>
               </a:ext>
             </a:extLst>
           </p:cNvPr>
@@ -658,7 +658,7 @@
           <a:bodyPr/>
           <a:lstStyle/>
           <a:p>
-            <a:fld id="{3B3339EA-EF76-49C0-A45A-9C4D81B519FE}" type="datetimeFigureOut">
+            <a:fld id="{8BF677CD-C950-432C-BC68-3F138D25589A}" type="datetimeFigureOut">
               <a:rPr lang="zh-CN" altLang="en-US" smtClean="0"/>
               <a:t>2024/3/10</a:t>
             </a:fld>
@@ -671,7 +671,7 @@
           <p:cNvPr id="5" name="页脚占位符 4">
             <a:extLst>
               <a:ext uri="{FF2B5EF4-FFF2-40B4-BE49-F238E27FC236}">
-                <a16:creationId xmlns:a16="http://schemas.microsoft.com/office/drawing/2014/main" id="{AB25AC53-6F2B-8746-D759-66EF2B9E9F3F}"/>
+                <a16:creationId xmlns:a16="http://schemas.microsoft.com/office/drawing/2014/main" id="{13DCFAA5-C044-5D67-5BAA-0AC375A8C7C7}"/>
               </a:ext>
             </a:extLst>
           </p:cNvPr>
@@ -696,7 +696,7 @@
           <p:cNvPr id="6" name="灯片编号占位符 5">
             <a:extLst>
               <a:ext uri="{FF2B5EF4-FFF2-40B4-BE49-F238E27FC236}">
-                <a16:creationId xmlns:a16="http://schemas.microsoft.com/office/drawing/2014/main" id="{88322FF2-B525-C529-1385-B9FDF808AC33}"/>
+                <a16:creationId xmlns:a16="http://schemas.microsoft.com/office/drawing/2014/main" id="{2A20875E-39E4-87C4-D78D-BA346CEEEA28}"/>
               </a:ext>
             </a:extLst>
           </p:cNvPr>
@@ -712,7 +712,7 @@
           <a:bodyPr/>
           <a:lstStyle/>
           <a:p>
-            <a:fld id="{425A5A9F-8758-4014-B92A-2EC334F9CD29}" type="slidenum">
+            <a:fld id="{531688CB-550F-4457-9B64-4FE8D4826A2F}" type="slidenum">
               <a:rPr lang="zh-CN" altLang="en-US" smtClean="0"/>
               <a:t>‹#›</a:t>
             </a:fld>
@@ -723,7 +723,7 @@
     </p:spTree>
     <p:extLst>
       <p:ext uri="{BB962C8B-B14F-4D97-AF65-F5344CB8AC3E}">
-        <p14:creationId xmlns:p14="http://schemas.microsoft.com/office/powerpoint/2010/main" val="3197101824"/>
+        <p14:creationId xmlns:p14="http://schemas.microsoft.com/office/powerpoint/2010/main" val="4038013200"/>
       </p:ext>
     </p:extLst>
   </p:cSld>
@@ -755,7 +755,7 @@
           <p:cNvPr id="2" name="标题 1">
             <a:extLst>
               <a:ext uri="{FF2B5EF4-FFF2-40B4-BE49-F238E27FC236}">
-                <a16:creationId xmlns:a16="http://schemas.microsoft.com/office/drawing/2014/main" id="{4C1DD6F4-1D5D-9047-0095-F28D9A50C707}"/>
+                <a16:creationId xmlns:a16="http://schemas.microsoft.com/office/drawing/2014/main" id="{ABB8588D-B1F2-2F95-39D8-9A25D138B6E8}"/>
               </a:ext>
             </a:extLst>
           </p:cNvPr>
@@ -783,7 +783,7 @@
           <p:cNvPr id="3" name="内容占位符 2">
             <a:extLst>
               <a:ext uri="{FF2B5EF4-FFF2-40B4-BE49-F238E27FC236}">
-                <a16:creationId xmlns:a16="http://schemas.microsoft.com/office/drawing/2014/main" id="{C3E9447F-4431-9225-7CD9-9313D56187F5}"/>
+                <a16:creationId xmlns:a16="http://schemas.microsoft.com/office/drawing/2014/main" id="{6F382A50-92CF-1D8C-B47F-ECD496105718}"/>
               </a:ext>
             </a:extLst>
           </p:cNvPr>
@@ -840,7 +840,7 @@
           <p:cNvPr id="4" name="日期占位符 3">
             <a:extLst>
               <a:ext uri="{FF2B5EF4-FFF2-40B4-BE49-F238E27FC236}">
-                <a16:creationId xmlns:a16="http://schemas.microsoft.com/office/drawing/2014/main" id="{678B6391-A244-DCBF-1B00-FB28B2309244}"/>
+                <a16:creationId xmlns:a16="http://schemas.microsoft.com/office/drawing/2014/main" id="{2C1D2595-9E6E-F45A-FAAE-535FFE583FEC}"/>
               </a:ext>
             </a:extLst>
           </p:cNvPr>
@@ -856,7 +856,7 @@
           <a:bodyPr/>
           <a:lstStyle/>
           <a:p>
-            <a:fld id="{3B3339EA-EF76-49C0-A45A-9C4D81B519FE}" type="datetimeFigureOut">
+            <a:fld id="{8BF677CD-C950-432C-BC68-3F138D25589A}" type="datetimeFigureOut">
               <a:rPr lang="zh-CN" altLang="en-US" smtClean="0"/>
               <a:t>2024/3/10</a:t>
             </a:fld>
@@ -869,7 +869,7 @@
           <p:cNvPr id="5" name="页脚占位符 4">
             <a:extLst>
               <a:ext uri="{FF2B5EF4-FFF2-40B4-BE49-F238E27FC236}">
-                <a16:creationId xmlns:a16="http://schemas.microsoft.com/office/drawing/2014/main" id="{73EB39E5-22EE-E935-5631-5C78FEDC492B}"/>
+                <a16:creationId xmlns:a16="http://schemas.microsoft.com/office/drawing/2014/main" id="{EA6E0FCB-6261-53C0-C3A6-B1F9B8AB7B8C}"/>
               </a:ext>
             </a:extLst>
           </p:cNvPr>
@@ -894,7 +894,7 @@
           <p:cNvPr id="6" name="灯片编号占位符 5">
             <a:extLst>
               <a:ext uri="{FF2B5EF4-FFF2-40B4-BE49-F238E27FC236}">
-                <a16:creationId xmlns:a16="http://schemas.microsoft.com/office/drawing/2014/main" id="{2BC14548-F089-A8B3-168B-8C4D08F3EC9F}"/>
+                <a16:creationId xmlns:a16="http://schemas.microsoft.com/office/drawing/2014/main" id="{52F09DEA-533C-D48E-EB4F-28F602ACA760}"/>
               </a:ext>
             </a:extLst>
           </p:cNvPr>
@@ -910,7 +910,7 @@
           <a:bodyPr/>
           <a:lstStyle/>
           <a:p>
-            <a:fld id="{425A5A9F-8758-4014-B92A-2EC334F9CD29}" type="slidenum">
+            <a:fld id="{531688CB-550F-4457-9B64-4FE8D4826A2F}" type="slidenum">
               <a:rPr lang="zh-CN" altLang="en-US" smtClean="0"/>
               <a:t>‹#›</a:t>
             </a:fld>
@@ -921,7 +921,7 @@
     </p:spTree>
     <p:extLst>
       <p:ext uri="{BB962C8B-B14F-4D97-AF65-F5344CB8AC3E}">
-        <p14:creationId xmlns:p14="http://schemas.microsoft.com/office/powerpoint/2010/main" val="2995174581"/>
+        <p14:creationId xmlns:p14="http://schemas.microsoft.com/office/powerpoint/2010/main" val="1356977323"/>
       </p:ext>
     </p:extLst>
   </p:cSld>
@@ -953,7 +953,7 @@
           <p:cNvPr id="2" name="标题 1">
             <a:extLst>
               <a:ext uri="{FF2B5EF4-FFF2-40B4-BE49-F238E27FC236}">
-                <a16:creationId xmlns:a16="http://schemas.microsoft.com/office/drawing/2014/main" id="{A810D5FB-B6A3-29C0-3EF9-FA454DE21A8C}"/>
+                <a16:creationId xmlns:a16="http://schemas.microsoft.com/office/drawing/2014/main" id="{DC422B49-B23E-9559-C65B-B8459E7CE155}"/>
               </a:ext>
             </a:extLst>
           </p:cNvPr>
@@ -990,7 +990,7 @@
           <p:cNvPr id="3" name="文本占位符 2">
             <a:extLst>
               <a:ext uri="{FF2B5EF4-FFF2-40B4-BE49-F238E27FC236}">
-                <a16:creationId xmlns:a16="http://schemas.microsoft.com/office/drawing/2014/main" id="{31E69192-3FF6-C2EF-072B-3D4B8F7463C1}"/>
+                <a16:creationId xmlns:a16="http://schemas.microsoft.com/office/drawing/2014/main" id="{9A5BCC89-6B1F-CFA9-750F-74F5DFA1EB98}"/>
               </a:ext>
             </a:extLst>
           </p:cNvPr>
@@ -1115,7 +1115,7 @@
           <p:cNvPr id="4" name="日期占位符 3">
             <a:extLst>
               <a:ext uri="{FF2B5EF4-FFF2-40B4-BE49-F238E27FC236}">
-                <a16:creationId xmlns:a16="http://schemas.microsoft.com/office/drawing/2014/main" id="{53C19E26-C3C7-7F9D-D719-43C80DA4DB57}"/>
+                <a16:creationId xmlns:a16="http://schemas.microsoft.com/office/drawing/2014/main" id="{E00CDE76-44A2-7E08-2D43-796159B24906}"/>
               </a:ext>
             </a:extLst>
           </p:cNvPr>
@@ -1131,7 +1131,7 @@
           <a:bodyPr/>
           <a:lstStyle/>
           <a:p>
-            <a:fld id="{3B3339EA-EF76-49C0-A45A-9C4D81B519FE}" type="datetimeFigureOut">
+            <a:fld id="{8BF677CD-C950-432C-BC68-3F138D25589A}" type="datetimeFigureOut">
               <a:rPr lang="zh-CN" altLang="en-US" smtClean="0"/>
               <a:t>2024/3/10</a:t>
             </a:fld>
@@ -1144,7 +1144,7 @@
           <p:cNvPr id="5" name="页脚占位符 4">
             <a:extLst>
               <a:ext uri="{FF2B5EF4-FFF2-40B4-BE49-F238E27FC236}">
-                <a16:creationId xmlns:a16="http://schemas.microsoft.com/office/drawing/2014/main" id="{AA84E9FD-28D8-9EFD-D192-B86074954D91}"/>
+                <a16:creationId xmlns:a16="http://schemas.microsoft.com/office/drawing/2014/main" id="{12C6FD36-D0B9-7B22-3EA1-B02DCBDC42F5}"/>
               </a:ext>
             </a:extLst>
           </p:cNvPr>
@@ -1169,7 +1169,7 @@
           <p:cNvPr id="6" name="灯片编号占位符 5">
             <a:extLst>
               <a:ext uri="{FF2B5EF4-FFF2-40B4-BE49-F238E27FC236}">
-                <a16:creationId xmlns:a16="http://schemas.microsoft.com/office/drawing/2014/main" id="{85344982-EBBA-C751-9D7D-FEBDF9ABB5E3}"/>
+                <a16:creationId xmlns:a16="http://schemas.microsoft.com/office/drawing/2014/main" id="{ED8CE83E-F99A-0BEF-946D-D27519B0DF37}"/>
               </a:ext>
             </a:extLst>
           </p:cNvPr>
@@ -1185,7 +1185,7 @@
           <a:bodyPr/>
           <a:lstStyle/>
           <a:p>
-            <a:fld id="{425A5A9F-8758-4014-B92A-2EC334F9CD29}" type="slidenum">
+            <a:fld id="{531688CB-550F-4457-9B64-4FE8D4826A2F}" type="slidenum">
               <a:rPr lang="zh-CN" altLang="en-US" smtClean="0"/>
               <a:t>‹#›</a:t>
             </a:fld>
@@ -1196,7 +1196,7 @@
     </p:spTree>
     <p:extLst>
       <p:ext uri="{BB962C8B-B14F-4D97-AF65-F5344CB8AC3E}">
-        <p14:creationId xmlns:p14="http://schemas.microsoft.com/office/powerpoint/2010/main" val="865613100"/>
+        <p14:creationId xmlns:p14="http://schemas.microsoft.com/office/powerpoint/2010/main" val="1712619360"/>
       </p:ext>
     </p:extLst>
   </p:cSld>
@@ -1228,7 +1228,7 @@
           <p:cNvPr id="2" name="标题 1">
             <a:extLst>
               <a:ext uri="{FF2B5EF4-FFF2-40B4-BE49-F238E27FC236}">
-                <a16:creationId xmlns:a16="http://schemas.microsoft.com/office/drawing/2014/main" id="{6F41FD47-4D74-945D-094D-E22EE807ED1F}"/>
+                <a16:creationId xmlns:a16="http://schemas.microsoft.com/office/drawing/2014/main" id="{D69159C5-271B-C8B2-DB08-9EA2478E4440}"/>
               </a:ext>
             </a:extLst>
           </p:cNvPr>
@@ -1256,7 +1256,7 @@
           <p:cNvPr id="3" name="内容占位符 2">
             <a:extLst>
               <a:ext uri="{FF2B5EF4-FFF2-40B4-BE49-F238E27FC236}">
-                <a16:creationId xmlns:a16="http://schemas.microsoft.com/office/drawing/2014/main" id="{DEA45568-FD12-2A7D-E571-59C71E4C9B83}"/>
+                <a16:creationId xmlns:a16="http://schemas.microsoft.com/office/drawing/2014/main" id="{1C29E9F1-63E0-CAF5-B2F8-66A44A25CE65}"/>
               </a:ext>
             </a:extLst>
           </p:cNvPr>
@@ -1318,7 +1318,7 @@
           <p:cNvPr id="4" name="内容占位符 3">
             <a:extLst>
               <a:ext uri="{FF2B5EF4-FFF2-40B4-BE49-F238E27FC236}">
-                <a16:creationId xmlns:a16="http://schemas.microsoft.com/office/drawing/2014/main" id="{37480E72-3E41-4434-3D86-6BCBB6204262}"/>
+                <a16:creationId xmlns:a16="http://schemas.microsoft.com/office/drawing/2014/main" id="{BAC66777-DEB6-1030-1EBC-A50A43FC5324}"/>
               </a:ext>
             </a:extLst>
           </p:cNvPr>
@@ -1380,7 +1380,7 @@
           <p:cNvPr id="5" name="日期占位符 4">
             <a:extLst>
               <a:ext uri="{FF2B5EF4-FFF2-40B4-BE49-F238E27FC236}">
-                <a16:creationId xmlns:a16="http://schemas.microsoft.com/office/drawing/2014/main" id="{2AA725E4-4A94-0FCC-54A5-8C49FD97993F}"/>
+                <a16:creationId xmlns:a16="http://schemas.microsoft.com/office/drawing/2014/main" id="{65132DB9-8B16-C27F-CD9F-5D5FBCA27956}"/>
               </a:ext>
             </a:extLst>
           </p:cNvPr>
@@ -1396,7 +1396,7 @@
           <a:bodyPr/>
           <a:lstStyle/>
           <a:p>
-            <a:fld id="{3B3339EA-EF76-49C0-A45A-9C4D81B519FE}" type="datetimeFigureOut">
+            <a:fld id="{8BF677CD-C950-432C-BC68-3F138D25589A}" type="datetimeFigureOut">
               <a:rPr lang="zh-CN" altLang="en-US" smtClean="0"/>
               <a:t>2024/3/10</a:t>
             </a:fld>
@@ -1409,7 +1409,7 @@
           <p:cNvPr id="6" name="页脚占位符 5">
             <a:extLst>
               <a:ext uri="{FF2B5EF4-FFF2-40B4-BE49-F238E27FC236}">
-                <a16:creationId xmlns:a16="http://schemas.microsoft.com/office/drawing/2014/main" id="{EAB1EF3C-E16E-13E9-CEE6-41246B4F14D7}"/>
+                <a16:creationId xmlns:a16="http://schemas.microsoft.com/office/drawing/2014/main" id="{ADADE1EF-9DF8-26D2-CF22-0FA16EE826B8}"/>
               </a:ext>
             </a:extLst>
           </p:cNvPr>
@@ -1434,7 +1434,7 @@
           <p:cNvPr id="7" name="灯片编号占位符 6">
             <a:extLst>
               <a:ext uri="{FF2B5EF4-FFF2-40B4-BE49-F238E27FC236}">
-                <a16:creationId xmlns:a16="http://schemas.microsoft.com/office/drawing/2014/main" id="{7A1EBE3C-5996-D9EE-588E-5D93EDC50636}"/>
+                <a16:creationId xmlns:a16="http://schemas.microsoft.com/office/drawing/2014/main" id="{482541EA-316A-3049-3C75-924E66F461DD}"/>
               </a:ext>
             </a:extLst>
           </p:cNvPr>
@@ -1450,7 +1450,7 @@
           <a:bodyPr/>
           <a:lstStyle/>
           <a:p>
-            <a:fld id="{425A5A9F-8758-4014-B92A-2EC334F9CD29}" type="slidenum">
+            <a:fld id="{531688CB-550F-4457-9B64-4FE8D4826A2F}" type="slidenum">
               <a:rPr lang="zh-CN" altLang="en-US" smtClean="0"/>
               <a:t>‹#›</a:t>
             </a:fld>
@@ -1461,7 +1461,7 @@
     </p:spTree>
     <p:extLst>
       <p:ext uri="{BB962C8B-B14F-4D97-AF65-F5344CB8AC3E}">
-        <p14:creationId xmlns:p14="http://schemas.microsoft.com/office/powerpoint/2010/main" val="581928437"/>
+        <p14:creationId xmlns:p14="http://schemas.microsoft.com/office/powerpoint/2010/main" val="4174141373"/>
       </p:ext>
     </p:extLst>
   </p:cSld>
@@ -1493,7 +1493,7 @@
           <p:cNvPr id="2" name="标题 1">
             <a:extLst>
               <a:ext uri="{FF2B5EF4-FFF2-40B4-BE49-F238E27FC236}">
-                <a16:creationId xmlns:a16="http://schemas.microsoft.com/office/drawing/2014/main" id="{948935A2-D0CE-1818-61F4-4297A85D51E2}"/>
+                <a16:creationId xmlns:a16="http://schemas.microsoft.com/office/drawing/2014/main" id="{9D8CD0B7-6D41-1CCA-9D2C-4D4B5E244E24}"/>
               </a:ext>
             </a:extLst>
           </p:cNvPr>
@@ -1526,7 +1526,7 @@
           <p:cNvPr id="3" name="文本占位符 2">
             <a:extLst>
               <a:ext uri="{FF2B5EF4-FFF2-40B4-BE49-F238E27FC236}">
-                <a16:creationId xmlns:a16="http://schemas.microsoft.com/office/drawing/2014/main" id="{024876B7-1BC7-4FB7-D3DA-76A97025F83A}"/>
+                <a16:creationId xmlns:a16="http://schemas.microsoft.com/office/drawing/2014/main" id="{8C95977D-789E-3E5C-09BA-7ABC56D55248}"/>
               </a:ext>
             </a:extLst>
           </p:cNvPr>
@@ -1597,7 +1597,7 @@
           <p:cNvPr id="4" name="内容占位符 3">
             <a:extLst>
               <a:ext uri="{FF2B5EF4-FFF2-40B4-BE49-F238E27FC236}">
-                <a16:creationId xmlns:a16="http://schemas.microsoft.com/office/drawing/2014/main" id="{FE0EB71E-2C54-D774-768A-7469532B344C}"/>
+                <a16:creationId xmlns:a16="http://schemas.microsoft.com/office/drawing/2014/main" id="{D676F943-3347-16C4-155F-62FAB5787F47}"/>
               </a:ext>
             </a:extLst>
           </p:cNvPr>
@@ -1659,7 +1659,7 @@
           <p:cNvPr id="5" name="文本占位符 4">
             <a:extLst>
               <a:ext uri="{FF2B5EF4-FFF2-40B4-BE49-F238E27FC236}">
-                <a16:creationId xmlns:a16="http://schemas.microsoft.com/office/drawing/2014/main" id="{AECA2C96-A2C7-B988-B84B-E7CD346E837C}"/>
+                <a16:creationId xmlns:a16="http://schemas.microsoft.com/office/drawing/2014/main" id="{D67D6DD6-DC3C-2C9E-050D-104C23B479B4}"/>
               </a:ext>
             </a:extLst>
           </p:cNvPr>
@@ -1730,7 +1730,7 @@
           <p:cNvPr id="6" name="内容占位符 5">
             <a:extLst>
               <a:ext uri="{FF2B5EF4-FFF2-40B4-BE49-F238E27FC236}">
-                <a16:creationId xmlns:a16="http://schemas.microsoft.com/office/drawing/2014/main" id="{D2D505E4-B455-A43D-40F3-ED8708B5814F}"/>
+                <a16:creationId xmlns:a16="http://schemas.microsoft.com/office/drawing/2014/main" id="{D9EE44AE-1874-A2DF-E117-CBB2E7FD27F2}"/>
               </a:ext>
             </a:extLst>
           </p:cNvPr>
@@ -1792,7 +1792,7 @@
           <p:cNvPr id="7" name="日期占位符 6">
             <a:extLst>
               <a:ext uri="{FF2B5EF4-FFF2-40B4-BE49-F238E27FC236}">
-                <a16:creationId xmlns:a16="http://schemas.microsoft.com/office/drawing/2014/main" id="{125C61EB-F332-8147-AC7D-C5BC1F4413E1}"/>
+                <a16:creationId xmlns:a16="http://schemas.microsoft.com/office/drawing/2014/main" id="{754BF8CA-25AC-05F3-74EB-1A9598C6D5B9}"/>
               </a:ext>
             </a:extLst>
           </p:cNvPr>
@@ -1808,7 +1808,7 @@
           <a:bodyPr/>
           <a:lstStyle/>
           <a:p>
-            <a:fld id="{3B3339EA-EF76-49C0-A45A-9C4D81B519FE}" type="datetimeFigureOut">
+            <a:fld id="{8BF677CD-C950-432C-BC68-3F138D25589A}" type="datetimeFigureOut">
               <a:rPr lang="zh-CN" altLang="en-US" smtClean="0"/>
               <a:t>2024/3/10</a:t>
             </a:fld>
@@ -1821,7 +1821,7 @@
           <p:cNvPr id="8" name="页脚占位符 7">
             <a:extLst>
               <a:ext uri="{FF2B5EF4-FFF2-40B4-BE49-F238E27FC236}">
-                <a16:creationId xmlns:a16="http://schemas.microsoft.com/office/drawing/2014/main" id="{01AB76F0-8BA9-4BF0-B7E7-ECE062DC3DCE}"/>
+                <a16:creationId xmlns:a16="http://schemas.microsoft.com/office/drawing/2014/main" id="{4C8C54BA-2FE4-BA78-2A70-DA8CD1A1902C}"/>
               </a:ext>
             </a:extLst>
           </p:cNvPr>
@@ -1846,7 +1846,7 @@
           <p:cNvPr id="9" name="灯片编号占位符 8">
             <a:extLst>
               <a:ext uri="{FF2B5EF4-FFF2-40B4-BE49-F238E27FC236}">
-                <a16:creationId xmlns:a16="http://schemas.microsoft.com/office/drawing/2014/main" id="{4B3A5445-4DF2-03CD-7C07-FAE23B69BDB8}"/>
+                <a16:creationId xmlns:a16="http://schemas.microsoft.com/office/drawing/2014/main" id="{F924F0BE-E64A-B2C5-2BC2-8F922B96D7B5}"/>
               </a:ext>
             </a:extLst>
           </p:cNvPr>
@@ -1862,7 +1862,7 @@
           <a:bodyPr/>
           <a:lstStyle/>
           <a:p>
-            <a:fld id="{425A5A9F-8758-4014-B92A-2EC334F9CD29}" type="slidenum">
+            <a:fld id="{531688CB-550F-4457-9B64-4FE8D4826A2F}" type="slidenum">
               <a:rPr lang="zh-CN" altLang="en-US" smtClean="0"/>
               <a:t>‹#›</a:t>
             </a:fld>
@@ -1873,7 +1873,7 @@
     </p:spTree>
     <p:extLst>
       <p:ext uri="{BB962C8B-B14F-4D97-AF65-F5344CB8AC3E}">
-        <p14:creationId xmlns:p14="http://schemas.microsoft.com/office/powerpoint/2010/main" val="941501766"/>
+        <p14:creationId xmlns:p14="http://schemas.microsoft.com/office/powerpoint/2010/main" val="2439328827"/>
       </p:ext>
     </p:extLst>
   </p:cSld>
@@ -1905,7 +1905,7 @@
           <p:cNvPr id="2" name="标题 1">
             <a:extLst>
               <a:ext uri="{FF2B5EF4-FFF2-40B4-BE49-F238E27FC236}">
-                <a16:creationId xmlns:a16="http://schemas.microsoft.com/office/drawing/2014/main" id="{74D26F29-20B6-2090-FAED-2F99A268939D}"/>
+                <a16:creationId xmlns:a16="http://schemas.microsoft.com/office/drawing/2014/main" id="{44F37C95-DECC-4DDC-7E83-E64B2CFF3547}"/>
               </a:ext>
             </a:extLst>
           </p:cNvPr>
@@ -1933,7 +1933,7 @@
           <p:cNvPr id="3" name="日期占位符 2">
             <a:extLst>
               <a:ext uri="{FF2B5EF4-FFF2-40B4-BE49-F238E27FC236}">
-                <a16:creationId xmlns:a16="http://schemas.microsoft.com/office/drawing/2014/main" id="{157BE4E0-8FDA-5BAA-E786-783F617B6E00}"/>
+                <a16:creationId xmlns:a16="http://schemas.microsoft.com/office/drawing/2014/main" id="{EF4884DD-5047-1BD9-36AD-0BC35DF9FB46}"/>
               </a:ext>
             </a:extLst>
           </p:cNvPr>
@@ -1949,7 +1949,7 @@
           <a:bodyPr/>
           <a:lstStyle/>
           <a:p>
-            <a:fld id="{3B3339EA-EF76-49C0-A45A-9C4D81B519FE}" type="datetimeFigureOut">
+            <a:fld id="{8BF677CD-C950-432C-BC68-3F138D25589A}" type="datetimeFigureOut">
               <a:rPr lang="zh-CN" altLang="en-US" smtClean="0"/>
               <a:t>2024/3/10</a:t>
             </a:fld>
@@ -1962,7 +1962,7 @@
           <p:cNvPr id="4" name="页脚占位符 3">
             <a:extLst>
               <a:ext uri="{FF2B5EF4-FFF2-40B4-BE49-F238E27FC236}">
-                <a16:creationId xmlns:a16="http://schemas.microsoft.com/office/drawing/2014/main" id="{668C5C88-1711-36C4-AE00-2533552F70E1}"/>
+                <a16:creationId xmlns:a16="http://schemas.microsoft.com/office/drawing/2014/main" id="{B9674CF5-C47A-6A49-C62F-05AD80C40374}"/>
               </a:ext>
             </a:extLst>
           </p:cNvPr>
@@ -1987,7 +1987,7 @@
           <p:cNvPr id="5" name="灯片编号占位符 4">
             <a:extLst>
               <a:ext uri="{FF2B5EF4-FFF2-40B4-BE49-F238E27FC236}">
-                <a16:creationId xmlns:a16="http://schemas.microsoft.com/office/drawing/2014/main" id="{0D51E50D-BA1E-D749-B8C6-4E5D5D810EC2}"/>
+                <a16:creationId xmlns:a16="http://schemas.microsoft.com/office/drawing/2014/main" id="{76542A18-9813-DFDE-2185-DCDA6FC5FA74}"/>
               </a:ext>
             </a:extLst>
           </p:cNvPr>
@@ -2003,7 +2003,7 @@
           <a:bodyPr/>
           <a:lstStyle/>
           <a:p>
-            <a:fld id="{425A5A9F-8758-4014-B92A-2EC334F9CD29}" type="slidenum">
+            <a:fld id="{531688CB-550F-4457-9B64-4FE8D4826A2F}" type="slidenum">
               <a:rPr lang="zh-CN" altLang="en-US" smtClean="0"/>
               <a:t>‹#›</a:t>
             </a:fld>
@@ -2014,7 +2014,7 @@
     </p:spTree>
     <p:extLst>
       <p:ext uri="{BB962C8B-B14F-4D97-AF65-F5344CB8AC3E}">
-        <p14:creationId xmlns:p14="http://schemas.microsoft.com/office/powerpoint/2010/main" val="1202523221"/>
+        <p14:creationId xmlns:p14="http://schemas.microsoft.com/office/powerpoint/2010/main" val="3762843723"/>
       </p:ext>
     </p:extLst>
   </p:cSld>
@@ -2046,7 +2046,7 @@
           <p:cNvPr id="2" name="日期占位符 1">
             <a:extLst>
               <a:ext uri="{FF2B5EF4-FFF2-40B4-BE49-F238E27FC236}">
-                <a16:creationId xmlns:a16="http://schemas.microsoft.com/office/drawing/2014/main" id="{2ABCCDB6-3BF0-7390-6799-788FF5339D3D}"/>
+                <a16:creationId xmlns:a16="http://schemas.microsoft.com/office/drawing/2014/main" id="{074CB06B-B8FF-CCE4-B143-29EDC4D8C2DA}"/>
               </a:ext>
             </a:extLst>
           </p:cNvPr>
@@ -2062,7 +2062,7 @@
           <a:bodyPr/>
           <a:lstStyle/>
           <a:p>
-            <a:fld id="{3B3339EA-EF76-49C0-A45A-9C4D81B519FE}" type="datetimeFigureOut">
+            <a:fld id="{8BF677CD-C950-432C-BC68-3F138D25589A}" type="datetimeFigureOut">
               <a:rPr lang="zh-CN" altLang="en-US" smtClean="0"/>
               <a:t>2024/3/10</a:t>
             </a:fld>
@@ -2075,7 +2075,7 @@
           <p:cNvPr id="3" name="页脚占位符 2">
             <a:extLst>
               <a:ext uri="{FF2B5EF4-FFF2-40B4-BE49-F238E27FC236}">
-                <a16:creationId xmlns:a16="http://schemas.microsoft.com/office/drawing/2014/main" id="{00D1C8A9-A939-124D-0667-17744142126E}"/>
+                <a16:creationId xmlns:a16="http://schemas.microsoft.com/office/drawing/2014/main" id="{23DFFF71-FF97-8649-F5E7-5A387561B5DC}"/>
               </a:ext>
             </a:extLst>
           </p:cNvPr>
@@ -2100,7 +2100,7 @@
           <p:cNvPr id="4" name="灯片编号占位符 3">
             <a:extLst>
               <a:ext uri="{FF2B5EF4-FFF2-40B4-BE49-F238E27FC236}">
-                <a16:creationId xmlns:a16="http://schemas.microsoft.com/office/drawing/2014/main" id="{D7009DE2-7E12-7B31-9D1C-21948C859153}"/>
+                <a16:creationId xmlns:a16="http://schemas.microsoft.com/office/drawing/2014/main" id="{2E454724-F607-B2E9-A55D-8BC769ABED0B}"/>
               </a:ext>
             </a:extLst>
           </p:cNvPr>
@@ -2116,7 +2116,7 @@
           <a:bodyPr/>
           <a:lstStyle/>
           <a:p>
-            <a:fld id="{425A5A9F-8758-4014-B92A-2EC334F9CD29}" type="slidenum">
+            <a:fld id="{531688CB-550F-4457-9B64-4FE8D4826A2F}" type="slidenum">
               <a:rPr lang="zh-CN" altLang="en-US" smtClean="0"/>
               <a:t>‹#›</a:t>
             </a:fld>
@@ -2127,7 +2127,7 @@
     </p:spTree>
     <p:extLst>
       <p:ext uri="{BB962C8B-B14F-4D97-AF65-F5344CB8AC3E}">
-        <p14:creationId xmlns:p14="http://schemas.microsoft.com/office/powerpoint/2010/main" val="1717719984"/>
+        <p14:creationId xmlns:p14="http://schemas.microsoft.com/office/powerpoint/2010/main" val="583177344"/>
       </p:ext>
     </p:extLst>
   </p:cSld>
@@ -2159,7 +2159,7 @@
           <p:cNvPr id="2" name="标题 1">
             <a:extLst>
               <a:ext uri="{FF2B5EF4-FFF2-40B4-BE49-F238E27FC236}">
-                <a16:creationId xmlns:a16="http://schemas.microsoft.com/office/drawing/2014/main" id="{73878C3C-D722-2500-4D3A-71BA1D387324}"/>
+                <a16:creationId xmlns:a16="http://schemas.microsoft.com/office/drawing/2014/main" id="{36DA98AB-9A0E-F81E-145C-8A9654B8A163}"/>
               </a:ext>
             </a:extLst>
           </p:cNvPr>
@@ -2196,7 +2196,7 @@
           <p:cNvPr id="3" name="内容占位符 2">
             <a:extLst>
               <a:ext uri="{FF2B5EF4-FFF2-40B4-BE49-F238E27FC236}">
-                <a16:creationId xmlns:a16="http://schemas.microsoft.com/office/drawing/2014/main" id="{53F0E750-4510-5F9E-35F7-018A3E52A591}"/>
+                <a16:creationId xmlns:a16="http://schemas.microsoft.com/office/drawing/2014/main" id="{0CBCECD2-0603-DB27-B03C-4FB920A5C114}"/>
               </a:ext>
             </a:extLst>
           </p:cNvPr>
@@ -2286,7 +2286,7 @@
           <p:cNvPr id="4" name="文本占位符 3">
             <a:extLst>
               <a:ext uri="{FF2B5EF4-FFF2-40B4-BE49-F238E27FC236}">
-                <a16:creationId xmlns:a16="http://schemas.microsoft.com/office/drawing/2014/main" id="{6F0F2D4D-839A-193A-9286-002F013D9520}"/>
+                <a16:creationId xmlns:a16="http://schemas.microsoft.com/office/drawing/2014/main" id="{E014AD9F-2156-61F1-7CE7-09EB34F3393A}"/>
               </a:ext>
             </a:extLst>
           </p:cNvPr>
@@ -2357,7 +2357,7 @@
           <p:cNvPr id="5" name="日期占位符 4">
             <a:extLst>
               <a:ext uri="{FF2B5EF4-FFF2-40B4-BE49-F238E27FC236}">
-                <a16:creationId xmlns:a16="http://schemas.microsoft.com/office/drawing/2014/main" id="{38CCD662-0F8E-ED99-C70C-FC9D022236CB}"/>
+                <a16:creationId xmlns:a16="http://schemas.microsoft.com/office/drawing/2014/main" id="{B34CB960-74C2-F2C2-B22D-C25CFDD2FE1D}"/>
               </a:ext>
             </a:extLst>
           </p:cNvPr>
@@ -2373,7 +2373,7 @@
           <a:bodyPr/>
           <a:lstStyle/>
           <a:p>
-            <a:fld id="{3B3339EA-EF76-49C0-A45A-9C4D81B519FE}" type="datetimeFigureOut">
+            <a:fld id="{8BF677CD-C950-432C-BC68-3F138D25589A}" type="datetimeFigureOut">
               <a:rPr lang="zh-CN" altLang="en-US" smtClean="0"/>
               <a:t>2024/3/10</a:t>
             </a:fld>
@@ -2386,7 +2386,7 @@
           <p:cNvPr id="6" name="页脚占位符 5">
             <a:extLst>
               <a:ext uri="{FF2B5EF4-FFF2-40B4-BE49-F238E27FC236}">
-                <a16:creationId xmlns:a16="http://schemas.microsoft.com/office/drawing/2014/main" id="{B9C69934-BB9C-33E1-7237-B2CFDBF1B7AF}"/>
+                <a16:creationId xmlns:a16="http://schemas.microsoft.com/office/drawing/2014/main" id="{3642A41F-706A-2682-0016-52A504EB2D8B}"/>
               </a:ext>
             </a:extLst>
           </p:cNvPr>
@@ -2411,7 +2411,7 @@
           <p:cNvPr id="7" name="灯片编号占位符 6">
             <a:extLst>
               <a:ext uri="{FF2B5EF4-FFF2-40B4-BE49-F238E27FC236}">
-                <a16:creationId xmlns:a16="http://schemas.microsoft.com/office/drawing/2014/main" id="{A7258B35-0EA4-3C8F-07D7-A177DB34DA99}"/>
+                <a16:creationId xmlns:a16="http://schemas.microsoft.com/office/drawing/2014/main" id="{1C1E466B-2991-8BB1-B597-024A9228F9C9}"/>
               </a:ext>
             </a:extLst>
           </p:cNvPr>
@@ -2427,7 +2427,7 @@
           <a:bodyPr/>
           <a:lstStyle/>
           <a:p>
-            <a:fld id="{425A5A9F-8758-4014-B92A-2EC334F9CD29}" type="slidenum">
+            <a:fld id="{531688CB-550F-4457-9B64-4FE8D4826A2F}" type="slidenum">
               <a:rPr lang="zh-CN" altLang="en-US" smtClean="0"/>
               <a:t>‹#›</a:t>
             </a:fld>
@@ -2438,7 +2438,7 @@
     </p:spTree>
     <p:extLst>
       <p:ext uri="{BB962C8B-B14F-4D97-AF65-F5344CB8AC3E}">
-        <p14:creationId xmlns:p14="http://schemas.microsoft.com/office/powerpoint/2010/main" val="966124032"/>
+        <p14:creationId xmlns:p14="http://schemas.microsoft.com/office/powerpoint/2010/main" val="3173765155"/>
       </p:ext>
     </p:extLst>
   </p:cSld>
@@ -2470,7 +2470,7 @@
           <p:cNvPr id="2" name="标题 1">
             <a:extLst>
               <a:ext uri="{FF2B5EF4-FFF2-40B4-BE49-F238E27FC236}">
-                <a16:creationId xmlns:a16="http://schemas.microsoft.com/office/drawing/2014/main" id="{6DACE764-120A-DB89-90D6-D2F737B02494}"/>
+                <a16:creationId xmlns:a16="http://schemas.microsoft.com/office/drawing/2014/main" id="{CB3A8615-CB5A-F702-366F-189ECC389D86}"/>
               </a:ext>
             </a:extLst>
           </p:cNvPr>
@@ -2507,7 +2507,7 @@
           <p:cNvPr id="3" name="图片占位符 2">
             <a:extLst>
               <a:ext uri="{FF2B5EF4-FFF2-40B4-BE49-F238E27FC236}">
-                <a16:creationId xmlns:a16="http://schemas.microsoft.com/office/drawing/2014/main" id="{281B9272-3546-EB99-90CE-448A6FF880E3}"/>
+                <a16:creationId xmlns:a16="http://schemas.microsoft.com/office/drawing/2014/main" id="{F96E2311-075E-C919-7DB7-19C8EC079BA6}"/>
               </a:ext>
             </a:extLst>
           </p:cNvPr>
@@ -2574,7 +2574,7 @@
           <p:cNvPr id="4" name="文本占位符 3">
             <a:extLst>
               <a:ext uri="{FF2B5EF4-FFF2-40B4-BE49-F238E27FC236}">
-                <a16:creationId xmlns:a16="http://schemas.microsoft.com/office/drawing/2014/main" id="{7C5B7070-9CE3-1CFE-7707-47C9EF779A3A}"/>
+                <a16:creationId xmlns:a16="http://schemas.microsoft.com/office/drawing/2014/main" id="{44E968A3-8A62-47CE-35F2-266BFCFBB98F}"/>
               </a:ext>
             </a:extLst>
           </p:cNvPr>
@@ -2645,7 +2645,7 @@
           <p:cNvPr id="5" name="日期占位符 4">
             <a:extLst>
               <a:ext uri="{FF2B5EF4-FFF2-40B4-BE49-F238E27FC236}">
-                <a16:creationId xmlns:a16="http://schemas.microsoft.com/office/drawing/2014/main" id="{82B7990C-C239-B817-1094-43272B77C26C}"/>
+                <a16:creationId xmlns:a16="http://schemas.microsoft.com/office/drawing/2014/main" id="{37DCD925-BE2B-4E12-1732-3882A2F68AEA}"/>
               </a:ext>
             </a:extLst>
           </p:cNvPr>
@@ -2661,7 +2661,7 @@
           <a:bodyPr/>
           <a:lstStyle/>
           <a:p>
-            <a:fld id="{3B3339EA-EF76-49C0-A45A-9C4D81B519FE}" type="datetimeFigureOut">
+            <a:fld id="{8BF677CD-C950-432C-BC68-3F138D25589A}" type="datetimeFigureOut">
               <a:rPr lang="zh-CN" altLang="en-US" smtClean="0"/>
               <a:t>2024/3/10</a:t>
             </a:fld>
@@ -2674,7 +2674,7 @@
           <p:cNvPr id="6" name="页脚占位符 5">
             <a:extLst>
               <a:ext uri="{FF2B5EF4-FFF2-40B4-BE49-F238E27FC236}">
-                <a16:creationId xmlns:a16="http://schemas.microsoft.com/office/drawing/2014/main" id="{DCDF5D94-BB2E-D420-CBC9-09913550004A}"/>
+                <a16:creationId xmlns:a16="http://schemas.microsoft.com/office/drawing/2014/main" id="{AF2E15C6-3D4A-670C-80AB-4B425F442EA5}"/>
               </a:ext>
             </a:extLst>
           </p:cNvPr>
@@ -2699,7 +2699,7 @@
           <p:cNvPr id="7" name="灯片编号占位符 6">
             <a:extLst>
               <a:ext uri="{FF2B5EF4-FFF2-40B4-BE49-F238E27FC236}">
-                <a16:creationId xmlns:a16="http://schemas.microsoft.com/office/drawing/2014/main" id="{A0B5E76B-E44E-4B28-76B1-ED87CA74AB7E}"/>
+                <a16:creationId xmlns:a16="http://schemas.microsoft.com/office/drawing/2014/main" id="{B95C5AC2-38D9-402F-DF61-519CE7710835}"/>
               </a:ext>
             </a:extLst>
           </p:cNvPr>
@@ -2715,7 +2715,7 @@
           <a:bodyPr/>
           <a:lstStyle/>
           <a:p>
-            <a:fld id="{425A5A9F-8758-4014-B92A-2EC334F9CD29}" type="slidenum">
+            <a:fld id="{531688CB-550F-4457-9B64-4FE8D4826A2F}" type="slidenum">
               <a:rPr lang="zh-CN" altLang="en-US" smtClean="0"/>
               <a:t>‹#›</a:t>
             </a:fld>
@@ -2726,7 +2726,7 @@
     </p:spTree>
     <p:extLst>
       <p:ext uri="{BB962C8B-B14F-4D97-AF65-F5344CB8AC3E}">
-        <p14:creationId xmlns:p14="http://schemas.microsoft.com/office/powerpoint/2010/main" val="1629679934"/>
+        <p14:creationId xmlns:p14="http://schemas.microsoft.com/office/powerpoint/2010/main" val="3829741800"/>
       </p:ext>
     </p:extLst>
   </p:cSld>
@@ -2763,7 +2763,7 @@
           <p:cNvPr id="2" name="标题占位符 1">
             <a:extLst>
               <a:ext uri="{FF2B5EF4-FFF2-40B4-BE49-F238E27FC236}">
-                <a16:creationId xmlns:a16="http://schemas.microsoft.com/office/drawing/2014/main" id="{D80C3267-BB60-7F10-79F1-F74FA12C39E3}"/>
+                <a16:creationId xmlns:a16="http://schemas.microsoft.com/office/drawing/2014/main" id="{DBF9401D-6A34-1354-7A4E-6D978429AF6D}"/>
               </a:ext>
             </a:extLst>
           </p:cNvPr>
@@ -2801,7 +2801,7 @@
           <p:cNvPr id="3" name="文本占位符 2">
             <a:extLst>
               <a:ext uri="{FF2B5EF4-FFF2-40B4-BE49-F238E27FC236}">
-                <a16:creationId xmlns:a16="http://schemas.microsoft.com/office/drawing/2014/main" id="{2FE1117F-35AB-9E0C-59DE-8BEF426D817C}"/>
+                <a16:creationId xmlns:a16="http://schemas.microsoft.com/office/drawing/2014/main" id="{E8202E8A-3BD5-B942-CD41-4AE7AE246651}"/>
               </a:ext>
             </a:extLst>
           </p:cNvPr>
@@ -2868,7 +2868,7 @@
           <p:cNvPr id="4" name="日期占位符 3">
             <a:extLst>
               <a:ext uri="{FF2B5EF4-FFF2-40B4-BE49-F238E27FC236}">
-                <a16:creationId xmlns:a16="http://schemas.microsoft.com/office/drawing/2014/main" id="{17DCC185-7BEE-47CF-A698-8E036513AA45}"/>
+                <a16:creationId xmlns:a16="http://schemas.microsoft.com/office/drawing/2014/main" id="{2F2DA5FB-EEF0-917D-0568-3ADCCDEAC76E}"/>
               </a:ext>
             </a:extLst>
           </p:cNvPr>
@@ -2902,7 +2902,7 @@
             </a:lvl1pPr>
           </a:lstStyle>
           <a:p>
-            <a:fld id="{3B3339EA-EF76-49C0-A45A-9C4D81B519FE}" type="datetimeFigureOut">
+            <a:fld id="{8BF677CD-C950-432C-BC68-3F138D25589A}" type="datetimeFigureOut">
               <a:rPr lang="zh-CN" altLang="en-US" smtClean="0"/>
               <a:t>2024/3/10</a:t>
             </a:fld>
@@ -2915,7 +2915,7 @@
           <p:cNvPr id="5" name="页脚占位符 4">
             <a:extLst>
               <a:ext uri="{FF2B5EF4-FFF2-40B4-BE49-F238E27FC236}">
-                <a16:creationId xmlns:a16="http://schemas.microsoft.com/office/drawing/2014/main" id="{87E71C03-0442-EE7D-44A9-E12F245AB87D}"/>
+                <a16:creationId xmlns:a16="http://schemas.microsoft.com/office/drawing/2014/main" id="{9ABAAC4A-3824-2D59-F8D4-545B6BA753CC}"/>
               </a:ext>
             </a:extLst>
           </p:cNvPr>
@@ -2958,7 +2958,7 @@
           <p:cNvPr id="6" name="灯片编号占位符 5">
             <a:extLst>
               <a:ext uri="{FF2B5EF4-FFF2-40B4-BE49-F238E27FC236}">
-                <a16:creationId xmlns:a16="http://schemas.microsoft.com/office/drawing/2014/main" id="{0ACB8624-A60E-3CD6-1705-2CC8302B8D31}"/>
+                <a16:creationId xmlns:a16="http://schemas.microsoft.com/office/drawing/2014/main" id="{8E6D280F-1C10-2054-44F6-EEEE3342F318}"/>
               </a:ext>
             </a:extLst>
           </p:cNvPr>
@@ -2992,7 +2992,7 @@
             </a:lvl1pPr>
           </a:lstStyle>
           <a:p>
-            <a:fld id="{425A5A9F-8758-4014-B92A-2EC334F9CD29}" type="slidenum">
+            <a:fld id="{531688CB-550F-4457-9B64-4FE8D4826A2F}" type="slidenum">
               <a:rPr lang="zh-CN" altLang="en-US" smtClean="0"/>
               <a:t>‹#›</a:t>
             </a:fld>
@@ -3003,7 +3003,7 @@
     </p:spTree>
     <p:extLst>
       <p:ext uri="{BB962C8B-B14F-4D97-AF65-F5344CB8AC3E}">
-        <p14:creationId xmlns:p14="http://schemas.microsoft.com/office/powerpoint/2010/main" val="1754472898"/>
+        <p14:creationId xmlns:p14="http://schemas.microsoft.com/office/powerpoint/2010/main" val="2097989307"/>
       </p:ext>
     </p:extLst>
   </p:cSld>
